--- a/about_project/Презентация.pptx
+++ b/about_project/Презентация.pptx
@@ -211,7 +211,7 @@
             <a:pPr rtl="0"/>
             <a:fld id="{79F2607F-EAB8-462D-9596-B11A1C51125F}" type="datetime1">
               <a:rPr lang="ru-RU" smtClean="0"/>
-              <a:t>30.04.2024</a:t>
+              <a:t>01.05.2024</a:t>
             </a:fld>
             <a:endParaRPr lang="en-US" dirty="0"/>
           </a:p>
@@ -381,7 +381,7 @@
             <a:pPr rtl="0"/>
             <a:fld id="{150EC31D-9C0F-4EDB-9AC9-93AE84D7514D}" type="datetime1">
               <a:rPr lang="ru-RU" smtClean="0"/>
-              <a:t>30.04.2024</a:t>
+              <a:t>01.05.2024</a:t>
             </a:fld>
             <a:endParaRPr lang="en-US"/>
           </a:p>
@@ -843,7 +843,7 @@
             <a:pPr rtl="0"/>
             <a:fld id="{1948E6C3-8E12-426B-A56F-861F8B162AC6}" type="datetime1">
               <a:rPr lang="ru-RU" smtClean="0"/>
-              <a:t>30.04.2024</a:t>
+              <a:t>01.05.2024</a:t>
             </a:fld>
             <a:endParaRPr lang="en-US" dirty="0"/>
           </a:p>
@@ -1184,7 +1184,7 @@
             <a:pPr rtl="0"/>
             <a:fld id="{C6B9E6FA-8E94-487D-81C3-7EE9BB2FD23D}" type="datetime1">
               <a:rPr lang="ru-RU" smtClean="0"/>
-              <a:t>30.04.2024</a:t>
+              <a:t>01.05.2024</a:t>
             </a:fld>
             <a:endParaRPr lang="en-US" dirty="0"/>
           </a:p>
@@ -1589,7 +1589,7 @@
             <a:pPr rtl="0"/>
             <a:fld id="{C6B9E6FA-8E94-487D-81C3-7EE9BB2FD23D}" type="datetime1">
               <a:rPr lang="ru-RU" smtClean="0"/>
-              <a:t>30.04.2024</a:t>
+              <a:t>01.05.2024</a:t>
             </a:fld>
             <a:endParaRPr lang="en-US" dirty="0"/>
           </a:p>
@@ -1929,7 +1929,7 @@
             <a:pPr rtl="0"/>
             <a:fld id="{C6B9E6FA-8E94-487D-81C3-7EE9BB2FD23D}" type="datetime1">
               <a:rPr lang="ru-RU" smtClean="0"/>
-              <a:t>30.04.2024</a:t>
+              <a:t>01.05.2024</a:t>
             </a:fld>
             <a:endParaRPr lang="en-US" dirty="0"/>
           </a:p>
@@ -2253,7 +2253,7 @@
             <a:pPr rtl="0"/>
             <a:fld id="{C6B9E6FA-8E94-487D-81C3-7EE9BB2FD23D}" type="datetime1">
               <a:rPr lang="ru-RU" smtClean="0"/>
-              <a:t>30.04.2024</a:t>
+              <a:t>01.05.2024</a:t>
             </a:fld>
             <a:endParaRPr lang="en-US" dirty="0"/>
           </a:p>
@@ -2653,7 +2653,7 @@
             <a:pPr rtl="0"/>
             <a:fld id="{C6B9E6FA-8E94-487D-81C3-7EE9BB2FD23D}" type="datetime1">
               <a:rPr lang="ru-RU" smtClean="0"/>
-              <a:t>30.04.2024</a:t>
+              <a:t>01.05.2024</a:t>
             </a:fld>
             <a:endParaRPr lang="en-US" dirty="0"/>
           </a:p>
@@ -2914,7 +2914,7 @@
             <a:pPr rtl="0"/>
             <a:fld id="{AD323C2A-FDF4-456A-A556-14045268B55D}" type="datetime1">
               <a:rPr lang="ru-RU" smtClean="0"/>
-              <a:t>30.04.2024</a:t>
+              <a:t>01.05.2024</a:t>
             </a:fld>
             <a:endParaRPr lang="en-US" dirty="0"/>
           </a:p>
@@ -3179,7 +3179,7 @@
             <a:pPr rtl="0"/>
             <a:fld id="{BBD5CFD7-CC7C-49C5-B221-A9E29F5846A0}" type="datetime1">
               <a:rPr lang="ru-RU" smtClean="0"/>
-              <a:t>30.04.2024</a:t>
+              <a:t>01.05.2024</a:t>
             </a:fld>
             <a:endParaRPr lang="en-US" dirty="0"/>
           </a:p>
@@ -3444,7 +3444,7 @@
             <a:pPr rtl="0"/>
             <a:fld id="{6E13CF11-4D7C-4367-8D00-578223D03103}" type="datetime1">
               <a:rPr lang="ru-RU" smtClean="0"/>
-              <a:t>30.04.2024</a:t>
+              <a:t>01.05.2024</a:t>
             </a:fld>
             <a:endParaRPr lang="en-US" dirty="0"/>
           </a:p>
@@ -3776,7 +3776,7 @@
             <a:pPr rtl="0"/>
             <a:fld id="{4540FCE8-CB6C-4798-845F-C8260D76B307}" type="datetime1">
               <a:rPr lang="ru-RU" smtClean="0"/>
-              <a:t>30.04.2024</a:t>
+              <a:t>01.05.2024</a:t>
             </a:fld>
             <a:endParaRPr lang="en-US" dirty="0"/>
           </a:p>
@@ -4102,7 +4102,7 @@
             <a:pPr rtl="0"/>
             <a:fld id="{C6B9E6FA-8E94-487D-81C3-7EE9BB2FD23D}" type="datetime1">
               <a:rPr lang="ru-RU" smtClean="0"/>
-              <a:t>30.04.2024</a:t>
+              <a:t>01.05.2024</a:t>
             </a:fld>
             <a:endParaRPr lang="en-US" dirty="0"/>
           </a:p>
@@ -4563,7 +4563,7 @@
             <a:pPr rtl="0"/>
             <a:fld id="{731CA3B4-5CE4-4976-BBFE-4E91C7258FC5}" type="datetime1">
               <a:rPr lang="ru-RU" smtClean="0"/>
-              <a:t>30.04.2024</a:t>
+              <a:t>01.05.2024</a:t>
             </a:fld>
             <a:endParaRPr lang="en-US" dirty="0"/>
           </a:p>
@@ -4771,7 +4771,7 @@
             <a:pPr rtl="0"/>
             <a:fld id="{D5316041-DA7D-4734-AA8C-761AB09393E2}" type="datetime1">
               <a:rPr lang="ru-RU" smtClean="0"/>
-              <a:t>30.04.2024</a:t>
+              <a:t>01.05.2024</a:t>
             </a:fld>
             <a:endParaRPr lang="en-US" dirty="0"/>
           </a:p>
@@ -4951,7 +4951,7 @@
             <a:pPr rtl="0"/>
             <a:fld id="{8692EF8B-D3DF-4216-96A1-1B1DE794B37A}" type="datetime1">
               <a:rPr lang="ru-RU" smtClean="0"/>
-              <a:t>30.04.2024</a:t>
+              <a:t>01.05.2024</a:t>
             </a:fld>
             <a:endParaRPr lang="en-US" dirty="0"/>
           </a:p>
@@ -5287,7 +5287,7 @@
             <a:pPr rtl="0"/>
             <a:fld id="{09563768-3096-48CB-A41A-8D454362CCAD}" type="datetime1">
               <a:rPr lang="ru-RU" smtClean="0"/>
-              <a:t>30.04.2024</a:t>
+              <a:t>01.05.2024</a:t>
             </a:fld>
             <a:endParaRPr lang="en-US" dirty="0"/>
           </a:p>
@@ -5636,7 +5636,7 @@
             <a:pPr rtl="0"/>
             <a:fld id="{530088EE-0E82-4198-BDFF-3B9755AA8919}" type="datetime1">
               <a:rPr lang="ru-RU" smtClean="0"/>
-              <a:t>30.04.2024</a:t>
+              <a:t>01.05.2024</a:t>
             </a:fld>
             <a:endParaRPr lang="en-US" dirty="0"/>
           </a:p>
@@ -7756,7 +7756,7 @@
             <a:pPr rtl="0"/>
             <a:fld id="{C6B9E6FA-8E94-487D-81C3-7EE9BB2FD23D}" type="datetime1">
               <a:rPr lang="ru-RU" smtClean="0"/>
-              <a:t>30.04.2024</a:t>
+              <a:t>01.05.2024</a:t>
             </a:fld>
             <a:endParaRPr lang="en-US" dirty="0"/>
           </a:p>
@@ -8526,7 +8526,7 @@
             <a:pPr rtl="0"/>
             <a:fld id="{6E13CF11-4D7C-4367-8D00-578223D03103}" type="datetime1">
               <a:rPr lang="ru-RU" smtClean="0"/>
-              <a:t>30.04.2024</a:t>
+              <a:t>01.05.2024</a:t>
             </a:fld>
             <a:endParaRPr lang="en-US" dirty="0"/>
           </a:p>
@@ -8627,6 +8627,25 @@
               <a:t>Возможность получить синонимы слова для разных языков.</a:t>
             </a:r>
           </a:p>
+          <a:p>
+            <a:r>
+              <a:rPr lang="ru-RU" dirty="0"/>
+              <a:t>Использование </a:t>
+            </a:r>
+            <a:r>
+              <a:rPr lang="en-US" dirty="0"/>
+              <a:t>API </a:t>
+            </a:r>
+            <a:r>
+              <a:rPr lang="ru-RU" dirty="0"/>
+              <a:t>Яндекс словаря для </a:t>
+            </a:r>
+            <a:r>
+              <a:rPr lang="ru-RU"/>
+              <a:t>поиска синонимов слова.</a:t>
+            </a:r>
+            <a:endParaRPr lang="ru-RU" dirty="0"/>
+          </a:p>
         </p:txBody>
       </p:sp>
       <p:sp>
@@ -8653,7 +8672,7 @@
             <a:pPr rtl="0"/>
             <a:fld id="{6E13CF11-4D7C-4367-8D00-578223D03103}" type="datetime1">
               <a:rPr lang="ru-RU" smtClean="0"/>
-              <a:t>30.04.2024</a:t>
+              <a:t>01.05.2024</a:t>
             </a:fld>
             <a:endParaRPr lang="en-US" dirty="0"/>
           </a:p>
@@ -8741,7 +8760,7 @@
             <a:pPr rtl="0"/>
             <a:fld id="{D5316041-DA7D-4734-AA8C-761AB09393E2}" type="datetime1">
               <a:rPr lang="ru-RU" smtClean="0"/>
-              <a:t>30.04.2024</a:t>
+              <a:t>01.05.2024</a:t>
             </a:fld>
             <a:endParaRPr lang="en-US" dirty="0"/>
           </a:p>
@@ -8901,7 +8920,7 @@
             <a:pPr rtl="0"/>
             <a:fld id="{D5316041-DA7D-4734-AA8C-761AB09393E2}" type="datetime1">
               <a:rPr lang="ru-RU" smtClean="0"/>
-              <a:t>30.04.2024</a:t>
+              <a:t>01.05.2024</a:t>
             </a:fld>
             <a:endParaRPr lang="en-US" dirty="0"/>
           </a:p>
@@ -9025,7 +9044,7 @@
             <a:pPr rtl="0"/>
             <a:fld id="{D5316041-DA7D-4734-AA8C-761AB09393E2}" type="datetime1">
               <a:rPr lang="ru-RU" smtClean="0"/>
-              <a:t>30.04.2024</a:t>
+              <a:t>01.05.2024</a:t>
             </a:fld>
             <a:endParaRPr lang="en-US" dirty="0"/>
           </a:p>
@@ -9185,7 +9204,7 @@
             <a:pPr rtl="0"/>
             <a:fld id="{D5316041-DA7D-4734-AA8C-761AB09393E2}" type="datetime1">
               <a:rPr lang="ru-RU" smtClean="0"/>
-              <a:t>30.04.2024</a:t>
+              <a:t>01.05.2024</a:t>
             </a:fld>
             <a:endParaRPr lang="en-US" dirty="0"/>
           </a:p>
